--- a/slides/02_Memory.pptx
+++ b/slides/02_Memory.pptx
@@ -6,7 +6,6 @@
   </p:sldMasterIdLst>
   <p:sldIdLst>
     <p:sldId id="256" r:id="rId2"/>
-    <p:sldId id="257" r:id="rId3"/>
   </p:sldIdLst>
   <p:sldSz cx="12192000" cy="6858000"/>
   <p:notesSz cx="6858000" cy="9144000"/>
@@ -260,7 +259,7 @@
           <a:p>
             <a:fld id="{0196BA22-0F89-724A-9852-743569328229}" type="datetimeFigureOut">
               <a:rPr lang="en-US" smtClean="0"/>
-              <a:t>9/7/23</a:t>
+              <a:t>9/14/23</a:t>
             </a:fld>
             <a:endParaRPr lang="en-US"/>
           </a:p>
@@ -458,7 +457,7 @@
           <a:p>
             <a:fld id="{0196BA22-0F89-724A-9852-743569328229}" type="datetimeFigureOut">
               <a:rPr lang="en-US" smtClean="0"/>
-              <a:t>9/7/23</a:t>
+              <a:t>9/14/23</a:t>
             </a:fld>
             <a:endParaRPr lang="en-US"/>
           </a:p>
@@ -666,7 +665,7 @@
           <a:p>
             <a:fld id="{0196BA22-0F89-724A-9852-743569328229}" type="datetimeFigureOut">
               <a:rPr lang="en-US" smtClean="0"/>
-              <a:t>9/7/23</a:t>
+              <a:t>9/14/23</a:t>
             </a:fld>
             <a:endParaRPr lang="en-US"/>
           </a:p>
@@ -864,7 +863,7 @@
           <a:p>
             <a:fld id="{0196BA22-0F89-724A-9852-743569328229}" type="datetimeFigureOut">
               <a:rPr lang="en-US" smtClean="0"/>
-              <a:t>9/7/23</a:t>
+              <a:t>9/14/23</a:t>
             </a:fld>
             <a:endParaRPr lang="en-US"/>
           </a:p>
@@ -1139,7 +1138,7 @@
           <a:p>
             <a:fld id="{0196BA22-0F89-724A-9852-743569328229}" type="datetimeFigureOut">
               <a:rPr lang="en-US" smtClean="0"/>
-              <a:t>9/7/23</a:t>
+              <a:t>9/14/23</a:t>
             </a:fld>
             <a:endParaRPr lang="en-US"/>
           </a:p>
@@ -1404,7 +1403,7 @@
           <a:p>
             <a:fld id="{0196BA22-0F89-724A-9852-743569328229}" type="datetimeFigureOut">
               <a:rPr lang="en-US" smtClean="0"/>
-              <a:t>9/7/23</a:t>
+              <a:t>9/14/23</a:t>
             </a:fld>
             <a:endParaRPr lang="en-US"/>
           </a:p>
@@ -1816,7 +1815,7 @@
           <a:p>
             <a:fld id="{0196BA22-0F89-724A-9852-743569328229}" type="datetimeFigureOut">
               <a:rPr lang="en-US" smtClean="0"/>
-              <a:t>9/7/23</a:t>
+              <a:t>9/14/23</a:t>
             </a:fld>
             <a:endParaRPr lang="en-US"/>
           </a:p>
@@ -1957,7 +1956,7 @@
           <a:p>
             <a:fld id="{0196BA22-0F89-724A-9852-743569328229}" type="datetimeFigureOut">
               <a:rPr lang="en-US" smtClean="0"/>
-              <a:t>9/7/23</a:t>
+              <a:t>9/14/23</a:t>
             </a:fld>
             <a:endParaRPr lang="en-US"/>
           </a:p>
@@ -2070,7 +2069,7 @@
           <a:p>
             <a:fld id="{0196BA22-0F89-724A-9852-743569328229}" type="datetimeFigureOut">
               <a:rPr lang="en-US" smtClean="0"/>
-              <a:t>9/7/23</a:t>
+              <a:t>9/14/23</a:t>
             </a:fld>
             <a:endParaRPr lang="en-US"/>
           </a:p>
@@ -2381,7 +2380,7 @@
           <a:p>
             <a:fld id="{0196BA22-0F89-724A-9852-743569328229}" type="datetimeFigureOut">
               <a:rPr lang="en-US" smtClean="0"/>
-              <a:t>9/7/23</a:t>
+              <a:t>9/14/23</a:t>
             </a:fld>
             <a:endParaRPr lang="en-US"/>
           </a:p>
@@ -2669,7 +2668,7 @@
           <a:p>
             <a:fld id="{0196BA22-0F89-724A-9852-743569328229}" type="datetimeFigureOut">
               <a:rPr lang="en-US" smtClean="0"/>
-              <a:t>9/7/23</a:t>
+              <a:t>9/14/23</a:t>
             </a:fld>
             <a:endParaRPr lang="en-US"/>
           </a:p>
@@ -2910,7 +2909,7 @@
           <a:p>
             <a:fld id="{0196BA22-0F89-724A-9852-743569328229}" type="datetimeFigureOut">
               <a:rPr lang="en-US" smtClean="0"/>
-              <a:t>9/7/23</a:t>
+              <a:t>9/14/23</a:t>
             </a:fld>
             <a:endParaRPr lang="en-US"/>
           </a:p>
@@ -3350,7 +3349,7 @@
           <a:p>
             <a:r>
               <a:rPr lang="en-US" dirty="0"/>
-              <a:t>Week 2: Memory</a:t>
+              <a:t>Week 3: Memory and functions</a:t>
             </a:r>
           </a:p>
         </p:txBody>
@@ -3377,20 +3376,12 @@
           <a:lstStyle/>
           <a:p>
             <a:r>
+              <a:rPr lang="en-US" dirty="0" err="1"/>
+              <a:t>Subsetting</a:t>
+            </a:r>
+            <a:r>
               <a:rPr lang="en-US" dirty="0"/>
-              <a:t>Fill out office hour survey</a:t>
-            </a:r>
-          </a:p>
-          <a:p>
-            <a:r>
-              <a:rPr lang="en-US" dirty="0"/>
-              <a:t>GitHub demo</a:t>
-            </a:r>
-          </a:p>
-          <a:p>
-            <a:r>
-              <a:rPr lang="en-US" dirty="0"/>
-              <a:t>Warm up exercise</a:t>
+              <a:t> and assignment in R</a:t>
             </a:r>
           </a:p>
           <a:p>
@@ -3399,14 +3390,61 @@
               <a:t>Lecture: Memory in R</a:t>
             </a:r>
           </a:p>
+          <a:p>
+            <a:r>
+              <a:rPr lang="en-US" dirty="0"/>
+              <a:t>If time: Intro to functions in R</a:t>
+            </a:r>
+          </a:p>
+          <a:p>
+            <a:r>
+              <a:rPr lang="en-US" i="1" dirty="0"/>
+              <a:t>NOTE: Optional assignment on GitHub</a:t>
+            </a:r>
+          </a:p>
+        </p:txBody>
+      </p:sp>
+      <p:sp>
+        <p:nvSpPr>
+          <p:cNvPr id="4" name="TextBox 3">
+            <a:extLst>
+              <a:ext uri="{FF2B5EF4-FFF2-40B4-BE49-F238E27FC236}">
+                <a16:creationId xmlns:a16="http://schemas.microsoft.com/office/drawing/2014/main" id="{7CA62232-0070-72B1-F7CD-7F055912D1D9}"/>
+              </a:ext>
+            </a:extLst>
+          </p:cNvPr>
+          <p:cNvSpPr txBox="1"/>
+          <p:nvPr/>
+        </p:nvSpPr>
+        <p:spPr>
+          <a:xfrm>
+            <a:off x="7442200" y="5467350"/>
+            <a:ext cx="2129173" cy="369332"/>
+          </a:xfrm>
+          <a:prstGeom prst="rect">
+            <a:avLst/>
+          </a:prstGeom>
+          <a:noFill/>
+        </p:spPr>
+        <p:txBody>
+          <a:bodyPr wrap="none" rtlCol="0">
+            <a:spAutoFit/>
+          </a:bodyPr>
+          <a:lstStyle/>
+          <a:p>
+            <a:r>
+              <a:rPr lang="en-US" dirty="0"/>
+              <a:t>Collaborative playlist</a:t>
+            </a:r>
+          </a:p>
         </p:txBody>
       </p:sp>
       <p:pic>
         <p:nvPicPr>
-          <p:cNvPr id="3" name="Picture 2">
-            <a:extLst>
-              <a:ext uri="{FF2B5EF4-FFF2-40B4-BE49-F238E27FC236}">
-                <a16:creationId xmlns:a16="http://schemas.microsoft.com/office/drawing/2014/main" id="{574E2518-E9AB-3D7E-3F0C-D113FFEE8EF4}"/>
+          <p:cNvPr id="5" name="Picture 4">
+            <a:extLst>
+              <a:ext uri="{FF2B5EF4-FFF2-40B4-BE49-F238E27FC236}">
+                <a16:creationId xmlns:a16="http://schemas.microsoft.com/office/drawing/2014/main" id="{5F1BAC88-9CF9-0F27-A028-46DE5B90EBA4}"/>
               </a:ext>
             </a:extLst>
           </p:cNvPr>
@@ -3423,293 +3461,18 @@
         </p:blipFill>
         <p:spPr>
           <a:xfrm>
-            <a:off x="6616700" y="527049"/>
-            <a:ext cx="4876800" cy="4841461"/>
+            <a:off x="7442200" y="1390650"/>
+            <a:ext cx="4076700" cy="4076700"/>
           </a:xfrm>
           <a:prstGeom prst="rect">
             <a:avLst/>
           </a:prstGeom>
         </p:spPr>
       </p:pic>
-      <p:sp>
-        <p:nvSpPr>
-          <p:cNvPr id="4" name="TextBox 3">
-            <a:extLst>
-              <a:ext uri="{FF2B5EF4-FFF2-40B4-BE49-F238E27FC236}">
-                <a16:creationId xmlns:a16="http://schemas.microsoft.com/office/drawing/2014/main" id="{7CA62232-0070-72B1-F7CD-7F055912D1D9}"/>
-              </a:ext>
-            </a:extLst>
-          </p:cNvPr>
-          <p:cNvSpPr txBox="1"/>
-          <p:nvPr/>
-        </p:nvSpPr>
-        <p:spPr>
-          <a:xfrm>
-            <a:off x="6616700" y="5345768"/>
-            <a:ext cx="2425408" cy="369332"/>
-          </a:xfrm>
-          <a:prstGeom prst="rect">
-            <a:avLst/>
-          </a:prstGeom>
-          <a:noFill/>
-        </p:spPr>
-        <p:txBody>
-          <a:bodyPr wrap="none" rtlCol="0">
-            <a:spAutoFit/>
-          </a:bodyPr>
-          <a:lstStyle/>
-          <a:p>
-            <a:r>
-              <a:rPr lang="en-US" dirty="0"/>
-              <a:t>Office hour when2meet</a:t>
-            </a:r>
-          </a:p>
-        </p:txBody>
-      </p:sp>
     </p:spTree>
     <p:extLst>
       <p:ext uri="{BB962C8B-B14F-4D97-AF65-F5344CB8AC3E}">
         <p14:creationId xmlns:p14="http://schemas.microsoft.com/office/powerpoint/2010/main" val="377988093"/>
-      </p:ext>
-    </p:extLst>
-  </p:cSld>
-  <p:clrMapOvr>
-    <a:masterClrMapping/>
-  </p:clrMapOvr>
-</p:sld>
-</file>
-
-<file path=ppt/slides/slide2.xml><?xml version="1.0" encoding="utf-8"?>
-<p:sld xmlns:a="http://schemas.openxmlformats.org/drawingml/2006/main" xmlns:r="http://schemas.openxmlformats.org/officeDocument/2006/relationships" xmlns:p="http://schemas.openxmlformats.org/presentationml/2006/main" show="0">
-  <p:cSld>
-    <p:spTree>
-      <p:nvGrpSpPr>
-        <p:cNvPr id="1" name=""/>
-        <p:cNvGrpSpPr/>
-        <p:nvPr/>
-      </p:nvGrpSpPr>
-      <p:grpSpPr>
-        <a:xfrm>
-          <a:off x="0" y="0"/>
-          <a:ext cx="0" cy="0"/>
-          <a:chOff x="0" y="0"/>
-          <a:chExt cx="0" cy="0"/>
-        </a:xfrm>
-      </p:grpSpPr>
-      <p:pic>
-        <p:nvPicPr>
-          <p:cNvPr id="1026" name="Picture 2" descr="How to fork a repo in GitHub | Earth Data Science - Earth Lab">
-            <a:extLst>
-              <a:ext uri="{FF2B5EF4-FFF2-40B4-BE49-F238E27FC236}">
-                <a16:creationId xmlns:a16="http://schemas.microsoft.com/office/drawing/2014/main" id="{E6166528-D498-57EA-BD15-96F8211727E1}"/>
-              </a:ext>
-            </a:extLst>
-          </p:cNvPr>
-          <p:cNvPicPr>
-            <a:picLocks noChangeAspect="1" noChangeArrowheads="1"/>
-          </p:cNvPicPr>
-          <p:nvPr/>
-        </p:nvPicPr>
-        <p:blipFill>
-          <a:blip r:embed="rId2">
-            <a:extLst>
-              <a:ext uri="{28A0092B-C50C-407E-A947-70E740481C1C}">
-                <a14:useLocalDpi xmlns:a14="http://schemas.microsoft.com/office/drawing/2010/main" val="0"/>
-              </a:ext>
-            </a:extLst>
-          </a:blip>
-          <a:srcRect/>
-          <a:stretch>
-            <a:fillRect/>
-          </a:stretch>
-        </p:blipFill>
-        <p:spPr bwMode="auto">
-          <a:xfrm>
-            <a:off x="3341688" y="0"/>
-            <a:ext cx="5507037" cy="6858000"/>
-          </a:xfrm>
-          <a:prstGeom prst="rect">
-            <a:avLst/>
-          </a:prstGeom>
-          <a:noFill/>
-          <a:extLst>
-            <a:ext uri="{909E8E84-426E-40DD-AFC4-6F175D3DCCD1}">
-              <a14:hiddenFill xmlns:a14="http://schemas.microsoft.com/office/drawing/2010/main">
-                <a:solidFill>
-                  <a:srgbClr val="FFFFFF"/>
-                </a:solidFill>
-              </a14:hiddenFill>
-            </a:ext>
-          </a:extLst>
-        </p:spPr>
-      </p:pic>
-      <p:sp>
-        <p:nvSpPr>
-          <p:cNvPr id="4" name="TextBox 3">
-            <a:extLst>
-              <a:ext uri="{FF2B5EF4-FFF2-40B4-BE49-F238E27FC236}">
-                <a16:creationId xmlns:a16="http://schemas.microsoft.com/office/drawing/2014/main" id="{09928B54-0BE0-2CE4-E534-C5E2996FA4BC}"/>
-              </a:ext>
-            </a:extLst>
-          </p:cNvPr>
-          <p:cNvSpPr txBox="1"/>
-          <p:nvPr/>
-        </p:nvSpPr>
-        <p:spPr>
-          <a:xfrm>
-            <a:off x="8848725" y="6488668"/>
-            <a:ext cx="2357248" cy="369332"/>
-          </a:xfrm>
-          <a:prstGeom prst="rect">
-            <a:avLst/>
-          </a:prstGeom>
-          <a:noFill/>
-        </p:spPr>
-        <p:txBody>
-          <a:bodyPr wrap="none" rtlCol="0">
-            <a:spAutoFit/>
-          </a:bodyPr>
-          <a:lstStyle/>
-          <a:p>
-            <a:r>
-              <a:rPr lang="en-US" dirty="0">
-                <a:solidFill>
-                  <a:schemeClr val="tx1">
-                    <a:lumMod val="50000"/>
-                    <a:lumOff val="50000"/>
-                  </a:schemeClr>
-                </a:solidFill>
-              </a:rPr>
-              <a:t>Diagram from </a:t>
-            </a:r>
-            <a:r>
-              <a:rPr lang="en-US" dirty="0" err="1">
-                <a:solidFill>
-                  <a:schemeClr val="tx1">
-                    <a:lumMod val="50000"/>
-                    <a:lumOff val="50000"/>
-                  </a:schemeClr>
-                </a:solidFill>
-              </a:rPr>
-              <a:t>EarthLab</a:t>
-            </a:r>
-            <a:endParaRPr lang="en-US" dirty="0">
-              <a:solidFill>
-                <a:schemeClr val="tx1">
-                  <a:lumMod val="50000"/>
-                  <a:lumOff val="50000"/>
-                </a:schemeClr>
-              </a:solidFill>
-            </a:endParaRPr>
-          </a:p>
-        </p:txBody>
-      </p:sp>
-      <p:sp>
-        <p:nvSpPr>
-          <p:cNvPr id="5" name="TextBox 4">
-            <a:extLst>
-              <a:ext uri="{FF2B5EF4-FFF2-40B4-BE49-F238E27FC236}">
-                <a16:creationId xmlns:a16="http://schemas.microsoft.com/office/drawing/2014/main" id="{9402443B-C7B7-BFFC-22C9-CD3AF5775442}"/>
-              </a:ext>
-            </a:extLst>
-          </p:cNvPr>
-          <p:cNvSpPr txBox="1"/>
-          <p:nvPr/>
-        </p:nvSpPr>
-        <p:spPr>
-          <a:xfrm>
-            <a:off x="190500" y="1181100"/>
-            <a:ext cx="2730500" cy="1477328"/>
-          </a:xfrm>
-          <a:prstGeom prst="rect">
-            <a:avLst/>
-          </a:prstGeom>
-          <a:noFill/>
-        </p:spPr>
-        <p:txBody>
-          <a:bodyPr wrap="square" rtlCol="0">
-            <a:spAutoFit/>
-          </a:bodyPr>
-          <a:lstStyle/>
-          <a:p>
-            <a:r>
-              <a:rPr lang="en-US" b="1" i="0" dirty="0">
-                <a:solidFill>
-                  <a:srgbClr val="494E52"/>
-                </a:solidFill>
-                <a:effectLst/>
-                <a:latin typeface="-apple-system"/>
-              </a:rPr>
-              <a:t>git</a:t>
-            </a:r>
-            <a:r>
-              <a:rPr lang="en-US" b="0" i="0" dirty="0">
-                <a:solidFill>
-                  <a:srgbClr val="494E52"/>
-                </a:solidFill>
-                <a:effectLst/>
-                <a:latin typeface="-apple-system"/>
-              </a:rPr>
-              <a:t> is a tool that is used to manage version control for various files. </a:t>
-            </a:r>
-            <a:r>
-              <a:rPr lang="en-US" b="1" i="0" u="none" strike="noStrike" dirty="0">
-                <a:solidFill>
-                  <a:srgbClr val="52ADC8"/>
-                </a:solidFill>
-                <a:effectLst/>
-                <a:latin typeface="-apple-system"/>
-                <a:hlinkClick r:id="rId3"/>
-              </a:rPr>
-              <a:t>GitHub.com</a:t>
-            </a:r>
-            <a:r>
-              <a:rPr lang="en-US" b="0" i="0" dirty="0">
-                <a:solidFill>
-                  <a:srgbClr val="494E52"/>
-                </a:solidFill>
-                <a:effectLst/>
-                <a:latin typeface="-apple-system"/>
-              </a:rPr>
-              <a:t> is a website that runs </a:t>
-            </a:r>
-            <a:r>
-              <a:rPr lang="en-US" b="1" i="0" dirty="0">
-                <a:solidFill>
-                  <a:srgbClr val="494E52"/>
-                </a:solidFill>
-                <a:effectLst/>
-                <a:latin typeface="-apple-system"/>
-              </a:rPr>
-              <a:t>git</a:t>
-            </a:r>
-            <a:r>
-              <a:rPr lang="en-US" dirty="0">
-                <a:solidFill>
-                  <a:srgbClr val="494E52"/>
-                </a:solidFill>
-                <a:latin typeface="-apple-system"/>
-              </a:rPr>
-              <a:t> </a:t>
-            </a:r>
-            <a:r>
-              <a:rPr lang="en-US" b="0" i="0" dirty="0">
-                <a:solidFill>
-                  <a:srgbClr val="494E52"/>
-                </a:solidFill>
-                <a:effectLst/>
-                <a:latin typeface="-apple-system"/>
-              </a:rPr>
-              <a:t>behind the scenes</a:t>
-            </a:r>
-            <a:endParaRPr lang="en-US" dirty="0"/>
-          </a:p>
-        </p:txBody>
-      </p:sp>
-    </p:spTree>
-    <p:extLst>
-      <p:ext uri="{BB962C8B-B14F-4D97-AF65-F5344CB8AC3E}">
-        <p14:creationId xmlns:p14="http://schemas.microsoft.com/office/powerpoint/2010/main" val="1404634980"/>
       </p:ext>
     </p:extLst>
   </p:cSld>
